--- a/finix-doc/网关API.pptx
+++ b/finix-doc/网关API.pptx
@@ -2361,6 +2361,113 @@
 </file>
 
 <file path=ppt/notesSlides/notesSlide8.xml><?xml version="1.0" encoding="utf-8"?>
+<p:notes xmlns:a="http://schemas.openxmlformats.org/drawingml/2006/main" xmlns:r="http://schemas.openxmlformats.org/officeDocument/2006/relationships" xmlns:p="http://schemas.openxmlformats.org/presentationml/2006/main">
+  <p:cSld>
+    <p:spTree>
+      <p:nvGrpSpPr>
+        <p:cNvPr id="1" name=""/>
+        <p:cNvGrpSpPr/>
+        <p:nvPr/>
+      </p:nvGrpSpPr>
+      <p:grpSpPr>
+        <a:xfrm>
+          <a:off x="0" y="0"/>
+          <a:ext cx="0" cy="0"/>
+          <a:chOff x="0" y="0"/>
+          <a:chExt cx="0" cy="0"/>
+        </a:xfrm>
+      </p:grpSpPr>
+      <p:sp>
+        <p:nvSpPr>
+          <p:cNvPr id="2" name="幻灯片图像占位符 1"/>
+          <p:cNvSpPr>
+            <a:spLocks noGrp="1" noRot="1" noChangeAspect="1"/>
+          </p:cNvSpPr>
+          <p:nvPr>
+            <p:ph type="sldImg"/>
+          </p:nvPr>
+        </p:nvSpPr>
+        <p:spPr/>
+      </p:sp>
+      <p:sp>
+        <p:nvSpPr>
+          <p:cNvPr id="3" name="备注占位符 2"/>
+          <p:cNvSpPr>
+            <a:spLocks noGrp="1"/>
+          </p:cNvSpPr>
+          <p:nvPr>
+            <p:ph type="body" idx="1"/>
+          </p:nvPr>
+        </p:nvSpPr>
+        <p:spPr/>
+        <p:txBody>
+          <a:bodyPr/>
+          <a:lstStyle/>
+          <a:p>
+            <a:r>
+              <a:rPr lang="en-US" altLang="zh-CN" dirty="0"/>
+              <a:t>API Portal </a:t>
+            </a:r>
+            <a:r>
+              <a:rPr lang="zh-CN" altLang="en-US" dirty="0"/>
+              <a:t>可以实现一个服务实现多路路由   这样可以兼容就的老网关的路由逻辑  丰富 </a:t>
+            </a:r>
+            <a:r>
+              <a:rPr lang="en-US" altLang="zh-CN" dirty="0"/>
+              <a:t>Http</a:t>
+            </a:r>
+            <a:r>
+              <a:rPr lang="zh-CN" altLang="en-US" dirty="0"/>
+              <a:t>请求的 </a:t>
+            </a:r>
+            <a:r>
+              <a:rPr lang="en-US" altLang="zh-CN" dirty="0"/>
+              <a:t>GET  PUT  DELETE POST </a:t>
+            </a:r>
+            <a:r>
+              <a:rPr lang="zh-CN" altLang="en-US" dirty="0"/>
+              <a:t>方法。增加鉴权的控制灵活性。（比如同一个接口，对某些场景需要鉴权某些场景不需要鉴权）</a:t>
+            </a:r>
+          </a:p>
+        </p:txBody>
+      </p:sp>
+      <p:sp>
+        <p:nvSpPr>
+          <p:cNvPr id="4" name="灯片编号占位符 3"/>
+          <p:cNvSpPr>
+            <a:spLocks noGrp="1"/>
+          </p:cNvSpPr>
+          <p:nvPr>
+            <p:ph type="sldNum" sz="quarter" idx="10"/>
+          </p:nvPr>
+        </p:nvSpPr>
+        <p:spPr/>
+        <p:txBody>
+          <a:bodyPr/>
+          <a:lstStyle/>
+          <a:p>
+            <a:fld id="{5B00523F-38A7-452A-B8E9-0AE3C85D6543}" type="slidenum">
+              <a:rPr lang="zh-CN" altLang="en-US" smtClean="0"/>
+              <a:t>12</a:t>
+            </a:fld>
+            <a:endParaRPr lang="zh-CN" altLang="en-US"/>
+          </a:p>
+        </p:txBody>
+      </p:sp>
+    </p:spTree>
+    <p:extLst>
+      <p:ext uri="{BB962C8B-B14F-4D97-AF65-F5344CB8AC3E}">
+        <p14:creationId xmlns:p14="http://schemas.microsoft.com/office/powerpoint/2010/main" val="2084861181"/>
+      </p:ext>
+    </p:extLst>
+  </p:cSld>
+  <p:clrMapOvr>
+    <a:masterClrMapping/>
+  </p:clrMapOvr>
+</p:notes>
+</file>
+
+<file path=ppt/notesSlides/notesSlide9.xml><?xml version="1.0" encoding="utf-8"?>
 <p:notes xmlns:a="http://schemas.openxmlformats.org/drawingml/2006/main" xmlns:r="http://schemas.openxmlformats.org/officeDocument/2006/relationships" xmlns:p="http://schemas.openxmlformats.org/presentationml/2006/main">
   <p:cSld>
     <p:spTree>
@@ -8571,7 +8678,7 @@
         <p:spPr>
           <a:xfrm>
             <a:off x="0" y="0"/>
-            <a:ext cx="10515600" cy="1325563"/>
+            <a:ext cx="10515600" cy="1086188"/>
           </a:xfrm>
         </p:spPr>
         <p:txBody>
@@ -8886,8 +8993,8 @@
         </p:nvSpPr>
         <p:spPr>
           <a:xfrm>
-            <a:off x="6715584" y="2022934"/>
-            <a:ext cx="1545190" cy="261610"/>
+            <a:off x="6715583" y="2022934"/>
+            <a:ext cx="1597143" cy="261610"/>
           </a:xfrm>
           <a:prstGeom prst="rect">
             <a:avLst/>
@@ -8906,7 +9013,7 @@
             </a:r>
             <a:r>
               <a:rPr lang="zh-CN" altLang="en-US" sz="1100" dirty="0"/>
-              <a:t>、注册接口方法名</a:t>
+              <a:t>、注册包名 和 接口名</a:t>
             </a:r>
           </a:p>
         </p:txBody>
@@ -9035,7 +9142,7 @@
           <p:nvPr/>
         </p:nvPicPr>
         <p:blipFill>
-          <a:blip r:embed="rId2" cstate="print">
+          <a:blip r:embed="rId3" cstate="print">
             <a:extLst>
               <a:ext uri="{28A0092B-C50C-407E-A947-70E740481C1C}">
                 <a14:useLocalDpi xmlns:a14="http://schemas.microsoft.com/office/drawing/2010/main" val="0"/>
@@ -9263,7 +9370,7 @@
           <p:nvPr/>
         </p:nvPicPr>
         <p:blipFill>
-          <a:blip r:embed="rId2" cstate="print">
+          <a:blip r:embed="rId3" cstate="print">
             <a:extLst>
               <a:ext uri="{28A0092B-C50C-407E-A947-70E740481C1C}">
                 <a14:useLocalDpi xmlns:a14="http://schemas.microsoft.com/office/drawing/2010/main" val="0"/>
@@ -9509,8 +9616,8 @@
         </p:nvSpPr>
         <p:spPr>
           <a:xfrm>
-            <a:off x="2946940" y="2950348"/>
-            <a:ext cx="3692845" cy="261610"/>
+            <a:off x="2946941" y="2741495"/>
+            <a:ext cx="3149060" cy="261610"/>
           </a:xfrm>
           <a:prstGeom prst="rect">
             <a:avLst/>
@@ -9529,32 +9636,21 @@
             </a:r>
             <a:r>
               <a:rPr lang="zh-CN" altLang="en-US" sz="1100" dirty="0"/>
-              <a:t>、拉取服务信息 </a:t>
+              <a:t>、拉取服务信息</a:t>
+            </a:r>
+            <a:r>
+              <a:rPr lang="en-US" altLang="zh-CN" sz="1100" dirty="0"/>
+              <a:t>/ns/</a:t>
             </a:r>
             <a:r>
               <a:rPr lang="en-US" altLang="zh-CN" sz="1100" dirty="0" err="1"/>
-              <a:t>appName</a:t>
+              <a:t>packageName</a:t>
             </a:r>
             <a:r>
               <a:rPr lang="en-US" altLang="zh-CN" sz="1100" dirty="0"/>
-              <a:t>  Service   Method </a:t>
-            </a:r>
-            <a:r>
-              <a:rPr lang="zh-CN" altLang="en-US" sz="1100" dirty="0"/>
-              <a:t>（</a:t>
-            </a:r>
-            <a:r>
-              <a:rPr lang="en-US" altLang="zh-CN" sz="1100" dirty="0" err="1"/>
-              <a:t>args</a:t>
-            </a:r>
-            <a:r>
-              <a:rPr lang="en-US" altLang="zh-CN" sz="1100" dirty="0"/>
-              <a:t> …</a:t>
-            </a:r>
-            <a:r>
-              <a:rPr lang="zh-CN" altLang="en-US" sz="1100" dirty="0"/>
-              <a:t>）</a:t>
-            </a:r>
+              <a:t>/interface</a:t>
+            </a:r>
+            <a:endParaRPr lang="zh-CN" altLang="en-US" sz="1100" dirty="0"/>
           </a:p>
         </p:txBody>
       </p:sp>
@@ -9592,21 +9688,8 @@
             </a:r>
             <a:r>
               <a:rPr lang="zh-CN" altLang="en-US" sz="1100" dirty="0"/>
-              <a:t>、编辑路由映射及协议</a:t>
-            </a:r>
-            <a:r>
-              <a:rPr lang="en-US" altLang="zh-CN" sz="1100" dirty="0"/>
-              <a:t>/</a:t>
-            </a:r>
-            <a:r>
-              <a:rPr lang="en-US" altLang="zh-CN" sz="1100" dirty="0" err="1"/>
-              <a:t>appName</a:t>
-            </a:r>
-            <a:r>
-              <a:rPr lang="en-US" altLang="zh-CN" sz="1100" dirty="0"/>
-              <a:t>/Type/Service</a:t>
-            </a:r>
-            <a:endParaRPr lang="zh-CN" altLang="en-US" sz="1100" dirty="0"/>
+              <a:t>、编辑路由映射、协议以及是否鉴权</a:t>
+            </a:r>
           </a:p>
         </p:txBody>
       </p:sp>
@@ -9624,8 +9707,8 @@
         </p:nvSpPr>
         <p:spPr>
           <a:xfrm>
-            <a:off x="4025760" y="5015125"/>
-            <a:ext cx="1034613" cy="261610"/>
+            <a:off x="3866810" y="4965401"/>
+            <a:ext cx="1934164" cy="261610"/>
           </a:xfrm>
           <a:prstGeom prst="rect">
             <a:avLst/>
@@ -9644,83 +9727,8 @@
             </a:r>
             <a:r>
               <a:rPr lang="zh-CN" altLang="en-US" sz="1100" dirty="0"/>
-              <a:t>、定期同步</a:t>
-            </a:r>
-          </a:p>
-        </p:txBody>
-      </p:sp>
-      <p:sp>
-        <p:nvSpPr>
-          <p:cNvPr id="53" name="对话气泡: 椭圆形 52">
-            <a:extLst>
-              <a:ext uri="{FF2B5EF4-FFF2-40B4-BE49-F238E27FC236}">
-                <a16:creationId xmlns:a16="http://schemas.microsoft.com/office/drawing/2014/main" id="{CC087135-C86A-4CAB-A40E-5E27D60997BF}"/>
-              </a:ext>
-            </a:extLst>
-          </p:cNvPr>
-          <p:cNvSpPr/>
-          <p:nvPr/>
-        </p:nvSpPr>
-        <p:spPr>
-          <a:xfrm>
-            <a:off x="7648041" y="1004922"/>
-            <a:ext cx="1929327" cy="711182"/>
-          </a:xfrm>
-          <a:prstGeom prst="wedgeEllipseCallout">
-            <a:avLst>
-              <a:gd name="adj1" fmla="val -41838"/>
-              <a:gd name="adj2" fmla="val 68137"/>
-            </a:avLst>
-          </a:prstGeom>
-          <a:noFill/>
-          <a:ln>
-            <a:solidFill>
-              <a:srgbClr val="C00000"/>
-            </a:solidFill>
-          </a:ln>
-        </p:spPr>
-        <p:style>
-          <a:lnRef idx="2">
-            <a:schemeClr val="accent1">
-              <a:shade val="50000"/>
-            </a:schemeClr>
-          </a:lnRef>
-          <a:fillRef idx="1">
-            <a:schemeClr val="accent1"/>
-          </a:fillRef>
-          <a:effectRef idx="0">
-            <a:schemeClr val="accent1"/>
-          </a:effectRef>
-          <a:fontRef idx="minor">
-            <a:schemeClr val="lt1"/>
-          </a:fontRef>
-        </p:style>
-        <p:txBody>
-          <a:bodyPr rtlCol="0" anchor="ctr"/>
-          <a:lstStyle/>
-          <a:p>
-            <a:pPr algn="ctr"/>
-            <a:r>
-              <a:rPr lang="zh-CN" altLang="en-US" dirty="0">
-                <a:solidFill>
-                  <a:srgbClr val="C00000"/>
-                </a:solidFill>
-              </a:rPr>
-              <a:t>版本不一致</a:t>
-            </a:r>
-            <a:r>
-              <a:rPr lang="en-US" altLang="zh-CN" dirty="0">
-                <a:solidFill>
-                  <a:srgbClr val="C00000"/>
-                </a:solidFill>
-              </a:rPr>
-              <a:t>?</a:t>
-            </a:r>
-            <a:endParaRPr lang="zh-CN" altLang="en-US" dirty="0">
-              <a:solidFill>
-                <a:srgbClr val="C00000"/>
-              </a:solidFill>
-            </a:endParaRPr>
+              <a:t>、定期同步订阅服务列表</a:t>
+            </a:r>
           </a:p>
         </p:txBody>
       </p:sp>
